--- a/README.pptx
+++ b/README.pptx
@@ -7,7 +7,8 @@
   <p:sldIdLst>
     <p:sldId id="256" r:id="rId2"/>
     <p:sldId id="257" r:id="rId3"/>
-    <p:sldId id="258" r:id="rId4"/>
+    <p:sldId id="259" r:id="rId4"/>
+    <p:sldId id="258" r:id="rId5"/>
   </p:sldIdLst>
   <p:sldSz cx="12192000" cy="6858000"/>
   <p:notesSz cx="6858000" cy="9144000"/>
@@ -106,6 +107,11 @@
       </a:defRPr>
     </a:lvl9pPr>
   </p:defaultTextStyle>
+  <p:extLst>
+    <p:ext uri="{EFAFB233-063F-42B5-8137-9DF3F51BA10A}">
+      <p15:sldGuideLst xmlns:p15="http://schemas.microsoft.com/office/powerpoint/2012/main"/>
+    </p:ext>
+  </p:extLst>
 </p:presentation>
 </file>
 
@@ -240,7 +246,7 @@
           <a:p>
             <a:fld id="{C35E9D1B-BF9B-4C76-A8F8-9229C711F453}" type="datetimeFigureOut">
               <a:rPr lang="ko-KR" altLang="en-US" smtClean="0"/>
-              <a:t>2025-08-26</a:t>
+              <a:t>2025-08-27</a:t>
             </a:fld>
             <a:endParaRPr lang="ko-KR" altLang="en-US"/>
           </a:p>
@@ -410,7 +416,7 @@
           <a:p>
             <a:fld id="{C35E9D1B-BF9B-4C76-A8F8-9229C711F453}" type="datetimeFigureOut">
               <a:rPr lang="ko-KR" altLang="en-US" smtClean="0"/>
-              <a:t>2025-08-26</a:t>
+              <a:t>2025-08-27</a:t>
             </a:fld>
             <a:endParaRPr lang="ko-KR" altLang="en-US"/>
           </a:p>
@@ -590,7 +596,7 @@
           <a:p>
             <a:fld id="{C35E9D1B-BF9B-4C76-A8F8-9229C711F453}" type="datetimeFigureOut">
               <a:rPr lang="ko-KR" altLang="en-US" smtClean="0"/>
-              <a:t>2025-08-26</a:t>
+              <a:t>2025-08-27</a:t>
             </a:fld>
             <a:endParaRPr lang="ko-KR" altLang="en-US"/>
           </a:p>
@@ -760,7 +766,7 @@
           <a:p>
             <a:fld id="{C35E9D1B-BF9B-4C76-A8F8-9229C711F453}" type="datetimeFigureOut">
               <a:rPr lang="ko-KR" altLang="en-US" smtClean="0"/>
-              <a:t>2025-08-26</a:t>
+              <a:t>2025-08-27</a:t>
             </a:fld>
             <a:endParaRPr lang="ko-KR" altLang="en-US"/>
           </a:p>
@@ -1006,7 +1012,7 @@
           <a:p>
             <a:fld id="{C35E9D1B-BF9B-4C76-A8F8-9229C711F453}" type="datetimeFigureOut">
               <a:rPr lang="ko-KR" altLang="en-US" smtClean="0"/>
-              <a:t>2025-08-26</a:t>
+              <a:t>2025-08-27</a:t>
             </a:fld>
             <a:endParaRPr lang="ko-KR" altLang="en-US"/>
           </a:p>
@@ -1238,7 +1244,7 @@
           <a:p>
             <a:fld id="{C35E9D1B-BF9B-4C76-A8F8-9229C711F453}" type="datetimeFigureOut">
               <a:rPr lang="ko-KR" altLang="en-US" smtClean="0"/>
-              <a:t>2025-08-26</a:t>
+              <a:t>2025-08-27</a:t>
             </a:fld>
             <a:endParaRPr lang="ko-KR" altLang="en-US"/>
           </a:p>
@@ -1605,7 +1611,7 @@
           <a:p>
             <a:fld id="{C35E9D1B-BF9B-4C76-A8F8-9229C711F453}" type="datetimeFigureOut">
               <a:rPr lang="ko-KR" altLang="en-US" smtClean="0"/>
-              <a:t>2025-08-26</a:t>
+              <a:t>2025-08-27</a:t>
             </a:fld>
             <a:endParaRPr lang="ko-KR" altLang="en-US"/>
           </a:p>
@@ -1723,7 +1729,7 @@
           <a:p>
             <a:fld id="{C35E9D1B-BF9B-4C76-A8F8-9229C711F453}" type="datetimeFigureOut">
               <a:rPr lang="ko-KR" altLang="en-US" smtClean="0"/>
-              <a:t>2025-08-26</a:t>
+              <a:t>2025-08-27</a:t>
             </a:fld>
             <a:endParaRPr lang="ko-KR" altLang="en-US"/>
           </a:p>
@@ -1818,7 +1824,7 @@
           <a:p>
             <a:fld id="{C35E9D1B-BF9B-4C76-A8F8-9229C711F453}" type="datetimeFigureOut">
               <a:rPr lang="ko-KR" altLang="en-US" smtClean="0"/>
-              <a:t>2025-08-26</a:t>
+              <a:t>2025-08-27</a:t>
             </a:fld>
             <a:endParaRPr lang="ko-KR" altLang="en-US"/>
           </a:p>
@@ -2095,7 +2101,7 @@
           <a:p>
             <a:fld id="{C35E9D1B-BF9B-4C76-A8F8-9229C711F453}" type="datetimeFigureOut">
               <a:rPr lang="ko-KR" altLang="en-US" smtClean="0"/>
-              <a:t>2025-08-26</a:t>
+              <a:t>2025-08-27</a:t>
             </a:fld>
             <a:endParaRPr lang="ko-KR" altLang="en-US"/>
           </a:p>
@@ -2348,7 +2354,7 @@
           <a:p>
             <a:fld id="{C35E9D1B-BF9B-4C76-A8F8-9229C711F453}" type="datetimeFigureOut">
               <a:rPr lang="ko-KR" altLang="en-US" smtClean="0"/>
-              <a:t>2025-08-26</a:t>
+              <a:t>2025-08-27</a:t>
             </a:fld>
             <a:endParaRPr lang="ko-KR" altLang="en-US"/>
           </a:p>
@@ -2561,7 +2567,7 @@
           <a:p>
             <a:fld id="{C35E9D1B-BF9B-4C76-A8F8-9229C711F453}" type="datetimeFigureOut">
               <a:rPr lang="ko-KR" altLang="en-US" smtClean="0"/>
-              <a:t>2025-08-26</a:t>
+              <a:t>2025-08-27</a:t>
             </a:fld>
             <a:endParaRPr lang="ko-KR" altLang="en-US"/>
           </a:p>
@@ -3187,6 +3193,131 @@
           <a:lstStyle/>
           <a:p>
             <a:r>
+              <a:rPr lang="en-US" altLang="ko-KR" dirty="0"/>
+              <a:t>Use Jekyll</a:t>
+            </a:r>
+            <a:r>
+              <a:rPr lang="ko-KR" altLang="en-US" dirty="0"/>
+              <a:t> </a:t>
+            </a:r>
+            <a:r>
+              <a:rPr lang="en-US" altLang="ko-KR" dirty="0"/>
+              <a:t>theme</a:t>
+            </a:r>
+            <a:endParaRPr lang="ko-KR" altLang="en-US" dirty="0"/>
+          </a:p>
+        </p:txBody>
+      </p:sp>
+      <p:sp>
+        <p:nvSpPr>
+          <p:cNvPr id="3" name="내용 개체 틀 2"/>
+          <p:cNvSpPr>
+            <a:spLocks noGrp="1"/>
+          </p:cNvSpPr>
+          <p:nvPr>
+            <p:ph idx="1"/>
+          </p:nvPr>
+        </p:nvSpPr>
+        <p:spPr/>
+        <p:txBody>
+          <a:bodyPr>
+            <a:normAutofit lnSpcReduction="10000"/>
+          </a:bodyPr>
+          <a:lstStyle/>
+          <a:p>
+            <a:r>
+              <a:rPr lang="en-US" altLang="ko-KR"/>
+              <a:t>Use </a:t>
+            </a:r>
+            <a:r>
+              <a:rPr lang="en-US" altLang="ko-KR" smtClean="0"/>
+              <a:t>jekyll-theme-chirpy-7.3.1</a:t>
+            </a:r>
+          </a:p>
+          <a:p>
+            <a:endParaRPr lang="en-US" altLang="ko-KR" dirty="0" smtClean="0"/>
+          </a:p>
+          <a:p>
+            <a:r>
+              <a:rPr lang="en-US" altLang="ko-KR" dirty="0" smtClean="0"/>
+              <a:t>Configure </a:t>
+            </a:r>
+            <a:r>
+              <a:rPr lang="en-US" altLang="ko-KR" dirty="0"/>
+              <a:t>the theme so that it does not use a Gem-based Theme, but instead downloads the base files of the theme locally for direct modification.</a:t>
+            </a:r>
+          </a:p>
+          <a:p>
+            <a:endParaRPr lang="en-US" altLang="ko-KR" dirty="0" smtClean="0"/>
+          </a:p>
+          <a:p>
+            <a:r>
+              <a:rPr lang="en-US" altLang="ko-KR" dirty="0" smtClean="0"/>
+              <a:t>Remove </a:t>
+            </a:r>
+            <a:r>
+              <a:rPr lang="en-US" altLang="ko-KR" dirty="0"/>
+              <a:t>unused icons from the footer, and add Instagram and language-setting icons.</a:t>
+            </a:r>
+          </a:p>
+          <a:p>
+            <a:endParaRPr lang="en-US" altLang="ko-KR" dirty="0"/>
+          </a:p>
+          <a:p>
+            <a:r>
+              <a:rPr lang="en-US" altLang="ko-KR" dirty="0"/>
+              <a:t>Change the theme background color or background image.</a:t>
+            </a:r>
+            <a:endParaRPr lang="ko-KR" altLang="en-US" dirty="0"/>
+          </a:p>
+        </p:txBody>
+      </p:sp>
+    </p:spTree>
+    <p:extLst>
+      <p:ext uri="{BB962C8B-B14F-4D97-AF65-F5344CB8AC3E}">
+        <p14:creationId xmlns:p14="http://schemas.microsoft.com/office/powerpoint/2010/main" val="3649964721"/>
+      </p:ext>
+    </p:extLst>
+  </p:cSld>
+  <p:clrMapOvr>
+    <a:masterClrMapping/>
+  </p:clrMapOvr>
+</p:sld>
+</file>
+
+<file path=ppt/slides/slide4.xml><?xml version="1.0" encoding="utf-8"?>
+<p:sld xmlns:a="http://schemas.openxmlformats.org/drawingml/2006/main" xmlns:r="http://schemas.openxmlformats.org/officeDocument/2006/relationships" xmlns:p="http://schemas.openxmlformats.org/presentationml/2006/main">
+  <p:cSld>
+    <p:spTree>
+      <p:nvGrpSpPr>
+        <p:cNvPr id="1" name=""/>
+        <p:cNvGrpSpPr/>
+        <p:nvPr/>
+      </p:nvGrpSpPr>
+      <p:grpSpPr>
+        <a:xfrm>
+          <a:off x="0" y="0"/>
+          <a:ext cx="0" cy="0"/>
+          <a:chOff x="0" y="0"/>
+          <a:chExt cx="0" cy="0"/>
+        </a:xfrm>
+      </p:grpSpPr>
+      <p:sp>
+        <p:nvSpPr>
+          <p:cNvPr id="2" name="제목 1"/>
+          <p:cNvSpPr>
+            <a:spLocks noGrp="1"/>
+          </p:cNvSpPr>
+          <p:nvPr>
+            <p:ph type="title"/>
+          </p:nvPr>
+        </p:nvSpPr>
+        <p:spPr/>
+        <p:txBody>
+          <a:bodyPr/>
+          <a:lstStyle/>
+          <a:p>
+            <a:r>
               <a:rPr lang="en-US" altLang="ko-KR" dirty="0" smtClean="0"/>
               <a:t>Plan</a:t>
             </a:r>
@@ -3755,11 +3886,7 @@
                       </a:pPr>
                       <a:r>
                         <a:rPr lang="en-US" altLang="ko-KR" sz="800" dirty="0" smtClean="0"/>
-                        <a:t>J</a:t>
-                      </a:r>
-                      <a:r>
-                        <a:rPr lang="en-US" altLang="ko-KR" sz="800" dirty="0" smtClean="0"/>
-                        <a:t>ekyll</a:t>
+                        <a:t>Jekyll</a:t>
                       </a:r>
                       <a:r>
                         <a:rPr lang="ko-KR" altLang="en-US" sz="800" baseline="0" dirty="0" smtClean="0"/>
